--- a/_book/plot/content-genus-name-1.pptx
+++ b/_book/plot/content-genus-name-1.pptx
@@ -3108,10 +3108,10 @@
         </p:nvGrpSpPr>
         <p:grpSpPr>
           <a:xfrm>
-            <a:off x="2148682" y="1495425"/>
-            <a:ext cx="6400800" cy="4572000"/>
-            <a:chOff x="2148682" y="1495425"/>
-            <a:chExt cx="6400800" cy="4572000"/>
+            <a:off x="1691482" y="1521028"/>
+            <a:ext cx="7315200" cy="4520794"/>
+            <a:chOff x="1691482" y="1521028"/>
+            <a:chExt cx="7315200" cy="4520794"/>
           </a:xfrm>
         </p:grpSpPr>
         <p:sp>
@@ -3122,8 +3122,8 @@
           </p:nvSpPr>
           <p:spPr>
             <a:xfrm>
-              <a:off x="2148681" y="1495425"/>
-              <a:ext cx="6400799" cy="4571999"/>
+              <a:off x="1691481" y="1521028"/>
+              <a:ext cx="7315199" cy="4520793"/>
             </a:xfrm>
             <a:prstGeom prst="rect">
               <a:avLst/>
@@ -3203,7 +3203,7 @@
           </p:nvSpPr>
           <p:spPr>
             <a:xfrm>
-              <a:off x="5073268" y="3591125"/>
+              <a:off x="5079901" y="3592924"/>
               <a:ext cx="642463" cy="66870"/>
             </a:xfrm>
             <a:prstGeom prst="rect">
@@ -3249,7 +3249,7 @@
           </p:nvSpPr>
           <p:spPr>
             <a:xfrm>
-              <a:off x="4642305" y="3864416"/>
+              <a:off x="4605970" y="3862893"/>
               <a:ext cx="915923" cy="94587"/>
             </a:xfrm>
             <a:prstGeom prst="rect">
@@ -3295,7 +3295,7 @@
           </p:nvSpPr>
           <p:spPr>
             <a:xfrm>
-              <a:off x="4967899" y="4047277"/>
+              <a:off x="5639615" y="3895214"/>
               <a:ext cx="834091" cy="85466"/>
             </a:xfrm>
             <a:prstGeom prst="rect">
@@ -3341,7 +3341,7 @@
           </p:nvSpPr>
           <p:spPr>
             <a:xfrm>
-              <a:off x="5472584" y="3421983"/>
+              <a:off x="4433820" y="3579495"/>
               <a:ext cx="580336" cy="67226"/>
             </a:xfrm>
             <a:prstGeom prst="rect">
@@ -3387,7 +3387,7 @@
           </p:nvSpPr>
           <p:spPr>
             <a:xfrm rot="-5400000">
-              <a:off x="5611481" y="3930738"/>
+              <a:off x="3784372" y="3587319"/>
               <a:ext cx="1017964" cy="74974"/>
             </a:xfrm>
             <a:prstGeom prst="rect">
@@ -3433,7 +3433,7 @@
           </p:nvSpPr>
           <p:spPr>
             <a:xfrm>
-              <a:off x="4686745" y="3308545"/>
+              <a:off x="5252877" y="3420220"/>
               <a:ext cx="766705" cy="76278"/>
             </a:xfrm>
             <a:prstGeom prst="rect">
@@ -3479,7 +3479,7 @@
           </p:nvSpPr>
           <p:spPr>
             <a:xfrm>
-              <a:off x="3994849" y="3562513"/>
+              <a:off x="4424077" y="4061505"/>
               <a:ext cx="987528" cy="67863"/>
             </a:xfrm>
             <a:prstGeom prst="rect">
@@ -3525,7 +3525,7 @@
           </p:nvSpPr>
           <p:spPr>
             <a:xfrm rot="-5400000">
-              <a:off x="5621330" y="3940920"/>
+              <a:off x="5895353" y="3459314"/>
               <a:ext cx="726752" cy="68173"/>
             </a:xfrm>
             <a:prstGeom prst="rect">
@@ -3571,7 +3571,7 @@
           </p:nvSpPr>
           <p:spPr>
             <a:xfrm rot="-5400000">
-              <a:off x="5853592" y="3984194"/>
+              <a:off x="6146242" y="3814531"/>
               <a:ext cx="793901" cy="72485"/>
             </a:xfrm>
             <a:prstGeom prst="rect">
@@ -3617,7 +3617,7 @@
           </p:nvSpPr>
           <p:spPr>
             <a:xfrm>
-              <a:off x="3924373" y="3732384"/>
+              <a:off x="5444886" y="4140171"/>
               <a:ext cx="674612" cy="67626"/>
             </a:xfrm>
             <a:prstGeom prst="rect">
@@ -3663,7 +3663,7 @@
           </p:nvSpPr>
           <p:spPr>
             <a:xfrm>
-              <a:off x="4482564" y="4215426"/>
+              <a:off x="5307921" y="3214179"/>
               <a:ext cx="856244" cy="67152"/>
             </a:xfrm>
             <a:prstGeom prst="rect">
@@ -3709,7 +3709,7 @@
           </p:nvSpPr>
           <p:spPr>
             <a:xfrm>
-              <a:off x="4940626" y="3155703"/>
+              <a:off x="3934476" y="4251434"/>
               <a:ext cx="1231730" cy="107331"/>
             </a:xfrm>
             <a:prstGeom prst="rect">
@@ -3755,7 +3755,7 @@
           </p:nvSpPr>
           <p:spPr>
             <a:xfrm>
-              <a:off x="3760662" y="3945295"/>
+              <a:off x="4394772" y="3331586"/>
               <a:ext cx="700249" cy="67107"/>
             </a:xfrm>
             <a:prstGeom prst="rect">
@@ -3801,7 +3801,7 @@
           </p:nvSpPr>
           <p:spPr>
             <a:xfrm>
-              <a:off x="3815704" y="3388239"/>
+              <a:off x="5298322" y="4302730"/>
               <a:ext cx="753299" cy="72248"/>
             </a:xfrm>
             <a:prstGeom prst="rect">
@@ -3847,7 +3847,7 @@
           </p:nvSpPr>
           <p:spPr>
             <a:xfrm>
-              <a:off x="4741989" y="4374127"/>
+              <a:off x="3504159" y="3601494"/>
               <a:ext cx="723832" cy="68884"/>
             </a:xfrm>
             <a:prstGeom prst="rect">
@@ -3893,7 +3893,7 @@
           </p:nvSpPr>
           <p:spPr>
             <a:xfrm>
-              <a:off x="6414408" y="3956901"/>
+              <a:off x="3174037" y="3803749"/>
               <a:ext cx="922026" cy="69002"/>
             </a:xfrm>
             <a:prstGeom prst="rect">
@@ -3939,7 +3939,7 @@
           </p:nvSpPr>
           <p:spPr>
             <a:xfrm>
-              <a:off x="6355532" y="3795812"/>
+              <a:off x="3396744" y="3445769"/>
               <a:ext cx="803756" cy="68692"/>
             </a:xfrm>
             <a:prstGeom prst="rect">
@@ -3985,7 +3985,7 @@
           </p:nvSpPr>
           <p:spPr>
             <a:xfrm>
-              <a:off x="6411296" y="3622841"/>
+              <a:off x="4664003" y="3124212"/>
               <a:ext cx="538424" cy="70305"/>
             </a:xfrm>
             <a:prstGeom prst="rect">
@@ -4031,7 +4031,7 @@
           </p:nvSpPr>
           <p:spPr>
             <a:xfrm>
-              <a:off x="6305977" y="3394088"/>
+              <a:off x="6666395" y="3890548"/>
               <a:ext cx="658916" cy="68055"/>
             </a:xfrm>
             <a:prstGeom prst="rect">
@@ -4077,7 +4077,7 @@
           </p:nvSpPr>
           <p:spPr>
             <a:xfrm>
-              <a:off x="6396768" y="4132349"/>
+              <a:off x="6640494" y="3676662"/>
               <a:ext cx="800982" cy="68455"/>
             </a:xfrm>
             <a:prstGeom prst="rect">
@@ -4123,7 +4123,7 @@
           </p:nvSpPr>
           <p:spPr>
             <a:xfrm>
-              <a:off x="5423536" y="4212810"/>
+              <a:off x="3581404" y="3974733"/>
               <a:ext cx="466949" cy="66870"/>
             </a:xfrm>
             <a:prstGeom prst="rect">
@@ -4169,7 +4169,7 @@
           </p:nvSpPr>
           <p:spPr>
             <a:xfrm>
-              <a:off x="3565293" y="4113917"/>
+              <a:off x="4192896" y="4415364"/>
               <a:ext cx="827823" cy="67226"/>
             </a:xfrm>
             <a:prstGeom prst="rect">
@@ -4215,7 +4215,7 @@
           </p:nvSpPr>
           <p:spPr>
             <a:xfrm>
-              <a:off x="5340382" y="2997448"/>
+              <a:off x="6154502" y="4307295"/>
               <a:ext cx="675106" cy="67107"/>
             </a:xfrm>
             <a:prstGeom prst="rect">
@@ -4261,7 +4261,7 @@
           </p:nvSpPr>
           <p:spPr>
             <a:xfrm>
-              <a:off x="4080488" y="3237056"/>
+              <a:off x="5070682" y="4469486"/>
               <a:ext cx="506761" cy="65925"/>
             </a:xfrm>
             <a:prstGeom prst="rect">
@@ -4307,7 +4307,7 @@
           </p:nvSpPr>
           <p:spPr>
             <a:xfrm>
-              <a:off x="6232529" y="3237764"/>
+              <a:off x="6692337" y="4045078"/>
               <a:ext cx="758439" cy="67818"/>
             </a:xfrm>
             <a:prstGeom prst="rect">
@@ -4353,7 +4353,7 @@
           </p:nvSpPr>
           <p:spPr>
             <a:xfrm>
-              <a:off x="3710037" y="4271414"/>
+              <a:off x="6743774" y="3497372"/>
               <a:ext cx="684291" cy="69641"/>
             </a:xfrm>
             <a:prstGeom prst="rect">
@@ -4399,7 +4399,7 @@
           </p:nvSpPr>
           <p:spPr>
             <a:xfrm>
-              <a:off x="4938032" y="4539439"/>
+              <a:off x="5330660" y="3022882"/>
               <a:ext cx="666231" cy="67226"/>
             </a:xfrm>
             <a:prstGeom prst="rect">
@@ -4445,7 +4445,7 @@
           </p:nvSpPr>
           <p:spPr>
             <a:xfrm>
-              <a:off x="4457414" y="2936684"/>
+              <a:off x="5763673" y="4469661"/>
               <a:ext cx="754204" cy="67033"/>
             </a:xfrm>
             <a:prstGeom prst="rect">
@@ -4491,7 +4491,7 @@
           </p:nvSpPr>
           <p:spPr>
             <a:xfrm>
-              <a:off x="3358199" y="3592470"/>
+              <a:off x="6757635" y="3329474"/>
               <a:ext cx="477124" cy="69832"/>
             </a:xfrm>
             <a:prstGeom prst="rect">
@@ -4537,7 +4537,7 @@
           </p:nvSpPr>
           <p:spPr>
             <a:xfrm>
-              <a:off x="3813091" y="4673416"/>
+              <a:off x="4359356" y="2736918"/>
               <a:ext cx="2549418" cy="204757"/>
             </a:xfrm>
             <a:prstGeom prst="rect">
@@ -4583,7 +4583,7 @@
           </p:nvSpPr>
           <p:spPr>
             <a:xfrm>
-              <a:off x="3097729" y="3792845"/>
+              <a:off x="3541994" y="3251514"/>
               <a:ext cx="662533" cy="66870"/>
             </a:xfrm>
             <a:prstGeom prst="rect">
@@ -4629,7 +4629,7 @@
           </p:nvSpPr>
           <p:spPr>
             <a:xfrm>
-              <a:off x="4004756" y="4453462"/>
+              <a:off x="6441731" y="3151192"/>
               <a:ext cx="535473" cy="67936"/>
             </a:xfrm>
             <a:prstGeom prst="rect">
@@ -4675,7 +4675,7 @@
           </p:nvSpPr>
           <p:spPr>
             <a:xfrm rot="-5400000">
-              <a:off x="7075757" y="3968268"/>
+              <a:off x="7192768" y="3836396"/>
               <a:ext cx="684638" cy="68100"/>
             </a:xfrm>
             <a:prstGeom prst="rect">
@@ -4721,7 +4721,7 @@
           </p:nvSpPr>
           <p:spPr>
             <a:xfrm>
-              <a:off x="6408488" y="4286048"/>
+              <a:off x="3121321" y="4211505"/>
               <a:ext cx="633903" cy="68647"/>
             </a:xfrm>
             <a:prstGeom prst="rect">
@@ -4767,7 +4767,7 @@
           </p:nvSpPr>
           <p:spPr>
             <a:xfrm>
-              <a:off x="6384151" y="4454007"/>
+              <a:off x="3367413" y="3078423"/>
               <a:ext cx="818286" cy="71253"/>
             </a:xfrm>
             <a:prstGeom prst="rect">
@@ -4813,7 +4813,7 @@
           </p:nvSpPr>
           <p:spPr>
             <a:xfrm rot="-5400000">
-              <a:off x="6885613" y="3314488"/>
+              <a:off x="2715813" y="3711067"/>
               <a:ext cx="706540" cy="67226"/>
             </a:xfrm>
             <a:prstGeom prst="rect">
@@ -4859,7 +4859,7 @@
           </p:nvSpPr>
           <p:spPr>
             <a:xfrm>
-              <a:off x="6304974" y="3043959"/>
+              <a:off x="4015686" y="4608072"/>
               <a:ext cx="617530" cy="68529"/>
             </a:xfrm>
             <a:prstGeom prst="rect">
@@ -4905,7 +4905,7 @@
           </p:nvSpPr>
           <p:spPr>
             <a:xfrm>
-              <a:off x="5481615" y="2805023"/>
+              <a:off x="4928109" y="4665494"/>
               <a:ext cx="813169" cy="66870"/>
             </a:xfrm>
             <a:prstGeom prst="rect">
@@ -4951,7 +4951,7 @@
           </p:nvSpPr>
           <p:spPr>
             <a:xfrm>
-              <a:off x="3565678" y="2988201"/>
+              <a:off x="3115895" y="4426531"/>
               <a:ext cx="828925" cy="77819"/>
             </a:xfrm>
             <a:prstGeom prst="rect">
@@ -4997,7 +4997,7 @@
           </p:nvSpPr>
           <p:spPr>
             <a:xfrm>
-              <a:off x="4304014" y="2744032"/>
+              <a:off x="5917744" y="4651943"/>
               <a:ext cx="829810" cy="67033"/>
             </a:xfrm>
             <a:prstGeom prst="rect">
@@ -5043,7 +5043,7 @@
           </p:nvSpPr>
           <p:spPr>
             <a:xfrm>
-              <a:off x="3049063" y="3227009"/>
+              <a:off x="6938735" y="4330132"/>
               <a:ext cx="715255" cy="73859"/>
             </a:xfrm>
             <a:prstGeom prst="rect">
@@ -5089,7 +5089,7 @@
           </p:nvSpPr>
           <p:spPr>
             <a:xfrm>
-              <a:off x="2870752" y="3397589"/>
+              <a:off x="7404072" y="3330014"/>
               <a:ext cx="815342" cy="67463"/>
             </a:xfrm>
             <a:prstGeom prst="rect">
@@ -5135,7 +5135,7 @@
           </p:nvSpPr>
           <p:spPr>
             <a:xfrm>
-              <a:off x="5555643" y="2650437"/>
+              <a:off x="7592430" y="3832912"/>
               <a:ext cx="966408" cy="107260"/>
             </a:xfrm>
             <a:prstGeom prst="rect">
@@ -5181,7 +5181,7 @@
           </p:nvSpPr>
           <p:spPr>
             <a:xfrm>
-              <a:off x="2476832" y="3921178"/>
+              <a:off x="4388359" y="4800614"/>
               <a:ext cx="1168912" cy="89553"/>
             </a:xfrm>
             <a:prstGeom prst="rect">
@@ -5227,7 +5227,7 @@
           </p:nvSpPr>
           <p:spPr>
             <a:xfrm>
-              <a:off x="2263445" y="4946261"/>
+              <a:off x="2580933" y="2127801"/>
               <a:ext cx="5904049" cy="535320"/>
             </a:xfrm>
             <a:prstGeom prst="rect">
@@ -5273,7 +5273,7 @@
           </p:nvSpPr>
           <p:spPr>
             <a:xfrm>
-              <a:off x="2704879" y="4140343"/>
+              <a:off x="7643591" y="3634020"/>
               <a:ext cx="715344" cy="67152"/>
             </a:xfrm>
             <a:prstGeom prst="rect">
@@ -5319,7 +5319,7 @@
           </p:nvSpPr>
           <p:spPr>
             <a:xfrm>
-              <a:off x="5719397" y="4417129"/>
+              <a:off x="6860739" y="4492807"/>
               <a:ext cx="324668" cy="67581"/>
             </a:xfrm>
             <a:prstGeom prst="rect">
@@ -5365,7 +5365,7 @@
           </p:nvSpPr>
           <p:spPr>
             <a:xfrm>
-              <a:off x="3301034" y="4485344"/>
+              <a:off x="7192622" y="3146326"/>
               <a:ext cx="574512" cy="72248"/>
             </a:xfrm>
             <a:prstGeom prst="rect">
@@ -5411,7 +5411,7 @@
           </p:nvSpPr>
           <p:spPr>
             <a:xfrm>
-              <a:off x="6468589" y="4703967"/>
+              <a:off x="3347904" y="2915814"/>
               <a:ext cx="871560" cy="67107"/>
             </a:xfrm>
             <a:prstGeom prst="rect">
@@ -5457,7 +5457,7 @@
           </p:nvSpPr>
           <p:spPr>
             <a:xfrm>
-              <a:off x="7371520" y="3445026"/>
+              <a:off x="7716227" y="4004585"/>
               <a:ext cx="719416" cy="81202"/>
             </a:xfrm>
             <a:prstGeom prst="rect">
@@ -5503,7 +5503,7 @@
           </p:nvSpPr>
           <p:spPr>
             <a:xfrm rot="-5400000">
-              <a:off x="7247342" y="3979145"/>
+              <a:off x="2571871" y="3529447"/>
               <a:ext cx="668401" cy="67463"/>
             </a:xfrm>
             <a:prstGeom prst="rect">
@@ -5549,7 +5549,7 @@
           </p:nvSpPr>
           <p:spPr>
             <a:xfrm rot="-5400000">
-              <a:off x="6603576" y="3090427"/>
+              <a:off x="2264398" y="3400229"/>
               <a:ext cx="1056458" cy="67389"/>
             </a:xfrm>
             <a:prstGeom prst="rect">
@@ -5595,7 +5595,7 @@
           </p:nvSpPr>
           <p:spPr>
             <a:xfrm rot="-5400000">
-              <a:off x="7218375" y="4227935"/>
+              <a:off x="2061811" y="3668078"/>
               <a:ext cx="1135770" cy="123014"/>
             </a:xfrm>
             <a:prstGeom prst="rect">
@@ -5641,7 +5641,7 @@
           </p:nvSpPr>
           <p:spPr>
             <a:xfrm>
-              <a:off x="2836396" y="3548411"/>
+              <a:off x="7048085" y="2920572"/>
               <a:ext cx="447861" cy="74569"/>
             </a:xfrm>
             <a:prstGeom prst="rect">
@@ -5687,7 +5687,7 @@
           </p:nvSpPr>
           <p:spPr>
             <a:xfrm>
-              <a:off x="4614042" y="2507708"/>
+              <a:off x="5924976" y="4860604"/>
               <a:ext cx="918504" cy="66915"/>
             </a:xfrm>
             <a:prstGeom prst="rect">
@@ -5733,7 +5733,7 @@
           </p:nvSpPr>
           <p:spPr>
             <a:xfrm>
-              <a:off x="3230547" y="2772432"/>
+              <a:off x="3011305" y="4628333"/>
               <a:ext cx="861804" cy="67936"/>
             </a:xfrm>
             <a:prstGeom prst="rect">
@@ -5779,7 +5779,7 @@
           </p:nvSpPr>
           <p:spPr>
             <a:xfrm>
-              <a:off x="5735134" y="2276985"/>
+              <a:off x="2854800" y="4773345"/>
               <a:ext cx="1331247" cy="203928"/>
             </a:xfrm>
             <a:prstGeom prst="rect">
@@ -5825,7 +5825,7 @@
           </p:nvSpPr>
           <p:spPr>
             <a:xfrm>
-              <a:off x="7337064" y="3275413"/>
+              <a:off x="6820122" y="4696571"/>
               <a:ext cx="451027" cy="98495"/>
             </a:xfrm>
             <a:prstGeom prst="rect">
@@ -5871,7 +5871,7 @@
           </p:nvSpPr>
           <p:spPr>
             <a:xfrm>
-              <a:off x="2764178" y="4302632"/>
+              <a:off x="7666792" y="4168029"/>
               <a:ext cx="831803" cy="68455"/>
             </a:xfrm>
             <a:prstGeom prst="rect">
@@ -5917,7 +5917,7 @@
           </p:nvSpPr>
           <p:spPr>
             <a:xfrm>
-              <a:off x="2752862" y="3062274"/>
+              <a:off x="3241958" y="2750175"/>
               <a:ext cx="747067" cy="69166"/>
             </a:xfrm>
             <a:prstGeom prst="rect">
@@ -5963,7 +5963,7 @@
           </p:nvSpPr>
           <p:spPr>
             <a:xfrm>
-              <a:off x="6568019" y="2835866"/>
+              <a:off x="7453644" y="4490187"/>
               <a:ext cx="391863" cy="68493"/>
             </a:xfrm>
             <a:prstGeom prst="rect">
@@ -6009,7 +6009,7 @@
           </p:nvSpPr>
           <p:spPr>
             <a:xfrm>
-              <a:off x="7504548" y="3070256"/>
+              <a:off x="2087189" y="4384856"/>
               <a:ext cx="835663" cy="73789"/>
             </a:xfrm>
             <a:prstGeom prst="rect">
@@ -6055,7 +6055,7 @@
           </p:nvSpPr>
           <p:spPr>
             <a:xfrm>
-              <a:off x="4129989" y="2296770"/>
+              <a:off x="4535599" y="5021426"/>
               <a:ext cx="1233996" cy="100931"/>
             </a:xfrm>
             <a:prstGeom prst="rect">
@@ -6101,7 +6101,7 @@
           </p:nvSpPr>
           <p:spPr>
             <a:xfrm>
-              <a:off x="3823969" y="2503728"/>
+              <a:off x="7946284" y="3149428"/>
               <a:ext cx="712849" cy="67344"/>
             </a:xfrm>
             <a:prstGeom prst="rect">
@@ -6147,7 +6147,7 @@
           </p:nvSpPr>
           <p:spPr>
             <a:xfrm>
-              <a:off x="2336556" y="3763525"/>
+              <a:off x="7611360" y="2979234"/>
               <a:ext cx="645427" cy="67700"/>
             </a:xfrm>
             <a:prstGeom prst="rect">
@@ -6193,7 +6193,7 @@
           </p:nvSpPr>
           <p:spPr>
             <a:xfrm>
-              <a:off x="7936167" y="3703944"/>
+              <a:off x="2050258" y="3633162"/>
               <a:ext cx="439010" cy="67270"/>
             </a:xfrm>
             <a:prstGeom prst="rect">
@@ -6239,7 +6239,7 @@
           </p:nvSpPr>
           <p:spPr>
             <a:xfrm>
-              <a:off x="2561214" y="4661808"/>
+              <a:off x="5843221" y="5057006"/>
               <a:ext cx="1087536" cy="116931"/>
             </a:xfrm>
             <a:prstGeom prst="rect">
@@ -6285,7 +6285,7 @@
           </p:nvSpPr>
           <p:spPr>
             <a:xfrm rot="-5400000">
-              <a:off x="7499367" y="4247148"/>
+              <a:off x="2059920" y="3087838"/>
               <a:ext cx="839947" cy="67863"/>
             </a:xfrm>
             <a:prstGeom prst="rect">
@@ -6331,7 +6331,7 @@
           </p:nvSpPr>
           <p:spPr>
             <a:xfrm>
-              <a:off x="2533581" y="4517028"/>
+              <a:off x="1858449" y="3852625"/>
               <a:ext cx="586467" cy="67389"/>
             </a:xfrm>
             <a:prstGeom prst="rect">
@@ -6377,7 +6377,7 @@
           </p:nvSpPr>
           <p:spPr>
             <a:xfrm>
-              <a:off x="7570602" y="2885633"/>
+              <a:off x="7052472" y="2761674"/>
               <a:ext cx="853379" cy="81202"/>
             </a:xfrm>
             <a:prstGeom prst="rect">
@@ -6423,7 +6423,7 @@
           </p:nvSpPr>
           <p:spPr>
             <a:xfrm>
-              <a:off x="7357658" y="2677797"/>
+              <a:off x="7905019" y="4336011"/>
               <a:ext cx="663461" cy="67463"/>
             </a:xfrm>
             <a:prstGeom prst="rect">
@@ -6469,7 +6469,7 @@
           </p:nvSpPr>
           <p:spPr>
             <a:xfrm rot="-5400000">
-              <a:off x="2372365" y="3231147"/>
+              <a:off x="1979507" y="3237094"/>
               <a:ext cx="570661" cy="71016"/>
             </a:xfrm>
             <a:prstGeom prst="rect">
@@ -6515,7 +6515,7 @@
           </p:nvSpPr>
           <p:spPr>
             <a:xfrm>
-              <a:off x="2416961" y="2800050"/>
+              <a:off x="7366418" y="4702796"/>
               <a:ext cx="717310" cy="81676"/>
             </a:xfrm>
             <a:prstGeom prst="rect">
@@ -6561,7 +6561,7 @@
           </p:nvSpPr>
           <p:spPr>
             <a:xfrm>
-              <a:off x="7978357" y="3294981"/>
+              <a:off x="1818335" y="4005864"/>
               <a:ext cx="495069" cy="74925"/>
             </a:xfrm>
             <a:prstGeom prst="rect">
@@ -6607,7 +6607,7 @@
           </p:nvSpPr>
           <p:spPr>
             <a:xfrm>
-              <a:off x="2862114" y="2594164"/>
+              <a:off x="2066958" y="4551607"/>
               <a:ext cx="885281" cy="85523"/>
             </a:xfrm>
             <a:prstGeom prst="rect">
@@ -6653,7 +6653,7 @@
           </p:nvSpPr>
           <p:spPr>
             <a:xfrm>
-              <a:off x="4994819" y="2134036"/>
+              <a:off x="7010221" y="4894621"/>
               <a:ext cx="1282210" cy="67033"/>
             </a:xfrm>
             <a:prstGeom prst="rect">
@@ -6699,7 +6699,7 @@
           </p:nvSpPr>
           <p:spPr>
             <a:xfrm>
-              <a:off x="7286426" y="2437602"/>
+              <a:off x="3457935" y="5047270"/>
               <a:ext cx="758484" cy="67818"/>
             </a:xfrm>
             <a:prstGeom prst="rect">
@@ -6745,7 +6745,7 @@
           </p:nvSpPr>
           <p:spPr>
             <a:xfrm>
-              <a:off x="2793391" y="2342285"/>
+              <a:off x="4302409" y="5239293"/>
               <a:ext cx="938911" cy="84519"/>
             </a:xfrm>
             <a:prstGeom prst="rect">
@@ -6791,7 +6791,7 @@
           </p:nvSpPr>
           <p:spPr>
             <a:xfrm rot="-5400000">
-              <a:off x="7815495" y="4214634"/>
+              <a:off x="8345607" y="4048026"/>
               <a:ext cx="608383" cy="67033"/>
             </a:xfrm>
             <a:prstGeom prst="rect">
